--- a/20230328_フーリエ変換の初歩/02_prism.pptx
+++ b/20230328_フーリエ変換の初歩/02_prism.pptx
@@ -104,6 +104,11 @@
       </a:defRPr>
     </a:lvl9pPr>
   </p:defaultTextStyle>
+  <p:extLst>
+    <p:ext uri="{EFAFB233-063F-42B5-8137-9DF3F51BA10A}">
+      <p15:sldGuideLst xmlns:p15="http://schemas.microsoft.com/office/powerpoint/2012/main"/>
+    </p:ext>
+  </p:extLst>
 </p:presentation>
 </file>
 
@@ -4132,8 +4137,8 @@
         </p:nvSpPr>
         <p:spPr>
           <a:xfrm>
-            <a:off x="6854081" y="2211632"/>
-            <a:ext cx="2092626" cy="369332"/>
+            <a:off x="6883838" y="2087267"/>
+            <a:ext cx="2260555" cy="584775"/>
           </a:xfrm>
           <a:prstGeom prst="rect">
             <a:avLst/>
@@ -4141,7 +4146,7 @@
           <a:noFill/>
         </p:spPr>
         <p:txBody>
-          <a:bodyPr wrap="square" rtlCol="0">
+          <a:bodyPr wrap="none" rtlCol="0">
             <a:spAutoFit/>
           </a:bodyPr>
           <a:lstStyle/>
@@ -4150,7 +4155,48 @@
               <a:rPr lang="ja-JP" altLang="en-US" dirty="0"/>
               <a:t>可視光スペクトル</a:t>
             </a:r>
-            <a:endParaRPr kumimoji="1" lang="ja-JP" altLang="en-US" dirty="0"/>
+            <a:endParaRPr lang="en-US" altLang="ja-JP" dirty="0"/>
+          </a:p>
+          <a:p>
+            <a:r>
+              <a:rPr lang="ja-JP" altLang="en-US" sz="1400" dirty="0"/>
+              <a:t>（周波数：</a:t>
+            </a:r>
+            <a:r>
+              <a:rPr lang="en-US" altLang="ja-JP" sz="1400" b="0" i="0" dirty="0">
+                <a:solidFill>
+                  <a:srgbClr val="040C28"/>
+                </a:solidFill>
+                <a:effectLst/>
+                <a:latin typeface="Google Sans"/>
+              </a:rPr>
+              <a:t>405</a:t>
+            </a:r>
+            <a:r>
+              <a:rPr lang="ja-JP" altLang="en-US" sz="1400" b="0" i="0" dirty="0">
+                <a:solidFill>
+                  <a:srgbClr val="040C28"/>
+                </a:solidFill>
+                <a:effectLst/>
+                <a:latin typeface="Google Sans"/>
+              </a:rPr>
+              <a:t>～</a:t>
+            </a:r>
+            <a:r>
+              <a:rPr lang="en-US" altLang="ja-JP" sz="1400" b="0" i="0" dirty="0">
+                <a:solidFill>
+                  <a:srgbClr val="040C28"/>
+                </a:solidFill>
+                <a:effectLst/>
+                <a:latin typeface="Google Sans"/>
+              </a:rPr>
+              <a:t>790THz</a:t>
+            </a:r>
+            <a:r>
+              <a:rPr lang="ja-JP" altLang="en-US" sz="1400" dirty="0"/>
+              <a:t>）</a:t>
+            </a:r>
+            <a:endParaRPr kumimoji="1" lang="ja-JP" altLang="en-US" sz="1400" dirty="0"/>
           </a:p>
         </p:txBody>
       </p:sp>
@@ -4249,7 +4295,7 @@
         <p:spPr>
           <a:xfrm>
             <a:off x="7686581" y="2737134"/>
-            <a:ext cx="934871" cy="276999"/>
+            <a:ext cx="1396536" cy="276999"/>
           </a:xfrm>
           <a:prstGeom prst="rect">
             <a:avLst/>
@@ -4268,7 +4314,15 @@
             </a:r>
             <a:r>
               <a:rPr lang="en-US" altLang="ja-JP" sz="1200" dirty="0"/>
-              <a:t>(700nm)</a:t>
+              <a:t>(</a:t>
+            </a:r>
+            <a:r>
+              <a:rPr lang="ja-JP" altLang="en-US" sz="1200" dirty="0"/>
+              <a:t>波長：</a:t>
+            </a:r>
+            <a:r>
+              <a:rPr lang="en-US" altLang="ja-JP" sz="1200" dirty="0"/>
+              <a:t>700nm)</a:t>
             </a:r>
             <a:endParaRPr kumimoji="1" lang="ja-JP" altLang="en-US" sz="1200" dirty="0"/>
           </a:p>
@@ -4289,7 +4343,7 @@
         <p:spPr>
           <a:xfrm>
             <a:off x="7686581" y="3888562"/>
-            <a:ext cx="934871" cy="276999"/>
+            <a:ext cx="1439818" cy="276999"/>
           </a:xfrm>
           <a:prstGeom prst="rect">
             <a:avLst/>
@@ -4308,7 +4362,15 @@
             </a:r>
             <a:r>
               <a:rPr lang="en-US" altLang="ja-JP" sz="1200" dirty="0"/>
-              <a:t>(400nm)</a:t>
+              <a:t>(</a:t>
+            </a:r>
+            <a:r>
+              <a:rPr lang="ja-JP" altLang="en-US" sz="1200" dirty="0"/>
+              <a:t>波長： </a:t>
+            </a:r>
+            <a:r>
+              <a:rPr lang="en-US" altLang="ja-JP" sz="1200" dirty="0"/>
+              <a:t>400nm)</a:t>
             </a:r>
             <a:endParaRPr kumimoji="1" lang="ja-JP" altLang="en-US" sz="1200" dirty="0"/>
           </a:p>
@@ -4329,7 +4391,7 @@
         <p:spPr>
           <a:xfrm>
             <a:off x="7686581" y="3120943"/>
-            <a:ext cx="934871" cy="276999"/>
+            <a:ext cx="1439818" cy="276999"/>
           </a:xfrm>
           <a:prstGeom prst="rect">
             <a:avLst/>
@@ -4348,7 +4410,15 @@
             </a:r>
             <a:r>
               <a:rPr lang="en-US" altLang="ja-JP" sz="1200" dirty="0"/>
-              <a:t>(550nm)</a:t>
+              <a:t>(</a:t>
+            </a:r>
+            <a:r>
+              <a:rPr lang="ja-JP" altLang="en-US" sz="1200" dirty="0"/>
+              <a:t>波長： </a:t>
+            </a:r>
+            <a:r>
+              <a:rPr lang="en-US" altLang="ja-JP" sz="1200" dirty="0"/>
+              <a:t>550nm)</a:t>
             </a:r>
             <a:endParaRPr kumimoji="1" lang="ja-JP" altLang="en-US" sz="1200" dirty="0"/>
           </a:p>
@@ -4369,7 +4439,7 @@
         <p:spPr>
           <a:xfrm>
             <a:off x="7686581" y="3504752"/>
-            <a:ext cx="934871" cy="276999"/>
+            <a:ext cx="1439818" cy="276999"/>
           </a:xfrm>
           <a:prstGeom prst="rect">
             <a:avLst/>
@@ -4388,7 +4458,15 @@
             </a:r>
             <a:r>
               <a:rPr lang="en-US" altLang="ja-JP" sz="1200" dirty="0"/>
-              <a:t>(500nm)</a:t>
+              <a:t>(</a:t>
+            </a:r>
+            <a:r>
+              <a:rPr lang="ja-JP" altLang="en-US" sz="1200" dirty="0"/>
+              <a:t>波長： </a:t>
+            </a:r>
+            <a:r>
+              <a:rPr lang="en-US" altLang="ja-JP" sz="1200" dirty="0"/>
+              <a:t>500nm)</a:t>
             </a:r>
             <a:endParaRPr kumimoji="1" lang="ja-JP" altLang="en-US" sz="1200" dirty="0"/>
           </a:p>

--- a/20230328_フーリエ変換の初歩/02_prism.pptx
+++ b/20230328_フーリエ変換の初歩/02_prism.pptx
@@ -3724,10 +3724,10 @@
       </p:sp>
       <p:sp>
         <p:nvSpPr>
-          <p:cNvPr id="12" name="正方形/長方形 11">
-            <a:extLst>
-              <a:ext uri="{FF2B5EF4-FFF2-40B4-BE49-F238E27FC236}">
-                <a16:creationId xmlns:a16="http://schemas.microsoft.com/office/drawing/2014/main" id="{C8530B56-9CA0-36BC-21AB-96DB1FC591D9}"/>
+          <p:cNvPr id="17" name="正方形/長方形 16">
+            <a:extLst>
+              <a:ext uri="{FF2B5EF4-FFF2-40B4-BE49-F238E27FC236}">
+                <a16:creationId xmlns:a16="http://schemas.microsoft.com/office/drawing/2014/main" id="{641F769F-775C-4C2A-A6CE-99BB2D2B9639}"/>
               </a:ext>
             </a:extLst>
           </p:cNvPr>
@@ -3735,9 +3735,1006 @@
           <p:nvPr/>
         </p:nvSpPr>
         <p:spPr>
+          <a:xfrm rot="-600000">
+            <a:off x="4686482" y="3199831"/>
+            <a:ext cx="720000" cy="36000"/>
+          </a:xfrm>
+          <a:prstGeom prst="rect">
+            <a:avLst/>
+          </a:prstGeom>
+          <a:solidFill>
+            <a:srgbClr val="FF0000"/>
+          </a:solidFill>
+          <a:ln>
+            <a:solidFill>
+              <a:srgbClr val="FF0000"/>
+            </a:solidFill>
+          </a:ln>
+        </p:spPr>
+        <p:style>
+          <a:lnRef idx="2">
+            <a:schemeClr val="accent1">
+              <a:shade val="50000"/>
+            </a:schemeClr>
+          </a:lnRef>
+          <a:fillRef idx="1">
+            <a:schemeClr val="accent1"/>
+          </a:fillRef>
+          <a:effectRef idx="0">
+            <a:schemeClr val="accent1"/>
+          </a:effectRef>
+          <a:fontRef idx="minor">
+            <a:schemeClr val="lt1"/>
+          </a:fontRef>
+        </p:style>
+        <p:txBody>
+          <a:bodyPr rtlCol="0" anchor="ctr"/>
+          <a:lstStyle/>
+          <a:p>
+            <a:pPr algn="ctr"/>
+            <a:endParaRPr kumimoji="1" lang="ja-JP" altLang="en-US"/>
+          </a:p>
+        </p:txBody>
+      </p:sp>
+      <p:sp>
+        <p:nvSpPr>
+          <p:cNvPr id="18" name="正方形/長方形 17">
+            <a:extLst>
+              <a:ext uri="{FF2B5EF4-FFF2-40B4-BE49-F238E27FC236}">
+                <a16:creationId xmlns:a16="http://schemas.microsoft.com/office/drawing/2014/main" id="{CE6B249F-081C-CF5A-082C-E9DFEFCD794D}"/>
+              </a:ext>
+            </a:extLst>
+          </p:cNvPr>
+          <p:cNvSpPr/>
+          <p:nvPr/>
+        </p:nvSpPr>
+        <p:spPr>
+          <a:xfrm rot="-360000">
+            <a:off x="4709263" y="3236037"/>
+            <a:ext cx="720000" cy="36000"/>
+          </a:xfrm>
+          <a:prstGeom prst="rect">
+            <a:avLst/>
+          </a:prstGeom>
+          <a:solidFill>
+            <a:srgbClr val="FFC000"/>
+          </a:solidFill>
+          <a:ln>
+            <a:solidFill>
+              <a:srgbClr val="FFC000"/>
+            </a:solidFill>
+          </a:ln>
+        </p:spPr>
+        <p:style>
+          <a:lnRef idx="2">
+            <a:schemeClr val="accent1">
+              <a:shade val="50000"/>
+            </a:schemeClr>
+          </a:lnRef>
+          <a:fillRef idx="1">
+            <a:schemeClr val="accent1"/>
+          </a:fillRef>
+          <a:effectRef idx="0">
+            <a:schemeClr val="accent1"/>
+          </a:effectRef>
+          <a:fontRef idx="minor">
+            <a:schemeClr val="lt1"/>
+          </a:fontRef>
+        </p:style>
+        <p:txBody>
+          <a:bodyPr rtlCol="0" anchor="ctr"/>
+          <a:lstStyle/>
+          <a:p>
+            <a:pPr algn="ctr"/>
+            <a:endParaRPr kumimoji="1" lang="ja-JP" altLang="en-US"/>
+          </a:p>
+        </p:txBody>
+      </p:sp>
+      <p:sp>
+        <p:nvSpPr>
+          <p:cNvPr id="19" name="正方形/長方形 18">
+            <a:extLst>
+              <a:ext uri="{FF2B5EF4-FFF2-40B4-BE49-F238E27FC236}">
+                <a16:creationId xmlns:a16="http://schemas.microsoft.com/office/drawing/2014/main" id="{63753910-64CF-369C-DC14-6ABEA5703D6C}"/>
+              </a:ext>
+            </a:extLst>
+          </p:cNvPr>
+          <p:cNvSpPr/>
+          <p:nvPr/>
+        </p:nvSpPr>
+        <p:spPr>
+          <a:xfrm rot="-120000">
+            <a:off x="4708293" y="3275396"/>
+            <a:ext cx="756000" cy="36000"/>
+          </a:xfrm>
+          <a:prstGeom prst="rect">
+            <a:avLst/>
+          </a:prstGeom>
+          <a:solidFill>
+            <a:srgbClr val="FFFF00"/>
+          </a:solidFill>
+          <a:ln>
+            <a:solidFill>
+              <a:srgbClr val="FFFF00"/>
+            </a:solidFill>
+          </a:ln>
+        </p:spPr>
+        <p:style>
+          <a:lnRef idx="2">
+            <a:schemeClr val="accent1">
+              <a:shade val="50000"/>
+            </a:schemeClr>
+          </a:lnRef>
+          <a:fillRef idx="1">
+            <a:schemeClr val="accent1"/>
+          </a:fillRef>
+          <a:effectRef idx="0">
+            <a:schemeClr val="accent1"/>
+          </a:effectRef>
+          <a:fontRef idx="minor">
+            <a:schemeClr val="lt1"/>
+          </a:fontRef>
+        </p:style>
+        <p:txBody>
+          <a:bodyPr rtlCol="0" anchor="ctr"/>
+          <a:lstStyle/>
+          <a:p>
+            <a:pPr algn="ctr"/>
+            <a:endParaRPr kumimoji="1" lang="ja-JP" altLang="en-US" dirty="0"/>
+          </a:p>
+        </p:txBody>
+      </p:sp>
+      <p:sp>
+        <p:nvSpPr>
+          <p:cNvPr id="21" name="正方形/長方形 20">
+            <a:extLst>
+              <a:ext uri="{FF2B5EF4-FFF2-40B4-BE49-F238E27FC236}">
+                <a16:creationId xmlns:a16="http://schemas.microsoft.com/office/drawing/2014/main" id="{761E8689-56AE-F68D-E410-C21554E42B08}"/>
+              </a:ext>
+            </a:extLst>
+          </p:cNvPr>
+          <p:cNvSpPr/>
+          <p:nvPr/>
+        </p:nvSpPr>
+        <p:spPr>
+          <a:xfrm rot="180000">
+            <a:off x="4725306" y="3320816"/>
+            <a:ext cx="792000" cy="36000"/>
+          </a:xfrm>
+          <a:prstGeom prst="rect">
+            <a:avLst/>
+          </a:prstGeom>
+          <a:solidFill>
+            <a:srgbClr val="00B050"/>
+          </a:solidFill>
+          <a:ln>
+            <a:solidFill>
+              <a:srgbClr val="00B050"/>
+            </a:solidFill>
+          </a:ln>
+        </p:spPr>
+        <p:style>
+          <a:lnRef idx="2">
+            <a:schemeClr val="accent1">
+              <a:shade val="50000"/>
+            </a:schemeClr>
+          </a:lnRef>
+          <a:fillRef idx="1">
+            <a:schemeClr val="accent1"/>
+          </a:fillRef>
+          <a:effectRef idx="0">
+            <a:schemeClr val="accent1"/>
+          </a:effectRef>
+          <a:fontRef idx="minor">
+            <a:schemeClr val="lt1"/>
+          </a:fontRef>
+        </p:style>
+        <p:txBody>
+          <a:bodyPr rtlCol="0" anchor="ctr"/>
+          <a:lstStyle/>
+          <a:p>
+            <a:pPr algn="ctr"/>
+            <a:endParaRPr kumimoji="1" lang="ja-JP" altLang="en-US"/>
+          </a:p>
+        </p:txBody>
+      </p:sp>
+      <p:sp>
+        <p:nvSpPr>
+          <p:cNvPr id="22" name="正方形/長方形 21">
+            <a:extLst>
+              <a:ext uri="{FF2B5EF4-FFF2-40B4-BE49-F238E27FC236}">
+                <a16:creationId xmlns:a16="http://schemas.microsoft.com/office/drawing/2014/main" id="{CA93E1AC-F0C1-50E1-E16E-042DC90995CF}"/>
+              </a:ext>
+            </a:extLst>
+          </p:cNvPr>
+          <p:cNvSpPr/>
+          <p:nvPr/>
+        </p:nvSpPr>
+        <p:spPr>
+          <a:xfrm rot="600000">
+            <a:off x="4685118" y="3389717"/>
+            <a:ext cx="900000" cy="36000"/>
+          </a:xfrm>
+          <a:prstGeom prst="rect">
+            <a:avLst/>
+          </a:prstGeom>
+          <a:solidFill>
+            <a:srgbClr val="0070C0"/>
+          </a:solidFill>
+          <a:ln>
+            <a:solidFill>
+              <a:srgbClr val="0070C0"/>
+            </a:solidFill>
+          </a:ln>
+        </p:spPr>
+        <p:style>
+          <a:lnRef idx="2">
+            <a:schemeClr val="accent1">
+              <a:shade val="50000"/>
+            </a:schemeClr>
+          </a:lnRef>
+          <a:fillRef idx="1">
+            <a:schemeClr val="accent1"/>
+          </a:fillRef>
+          <a:effectRef idx="0">
+            <a:schemeClr val="accent1"/>
+          </a:effectRef>
+          <a:fontRef idx="minor">
+            <a:schemeClr val="lt1"/>
+          </a:fontRef>
+        </p:style>
+        <p:txBody>
+          <a:bodyPr rtlCol="0" anchor="ctr"/>
+          <a:lstStyle/>
+          <a:p>
+            <a:pPr algn="ctr"/>
+            <a:endParaRPr kumimoji="1" lang="ja-JP" altLang="en-US"/>
+          </a:p>
+        </p:txBody>
+      </p:sp>
+      <p:sp>
+        <p:nvSpPr>
+          <p:cNvPr id="23" name="正方形/長方形 22">
+            <a:extLst>
+              <a:ext uri="{FF2B5EF4-FFF2-40B4-BE49-F238E27FC236}">
+                <a16:creationId xmlns:a16="http://schemas.microsoft.com/office/drawing/2014/main" id="{390561F0-F4C5-0996-9AD6-25994B9D6F39}"/>
+              </a:ext>
+            </a:extLst>
+          </p:cNvPr>
+          <p:cNvSpPr/>
+          <p:nvPr/>
+        </p:nvSpPr>
+        <p:spPr>
+          <a:xfrm rot="900000">
+            <a:off x="4676924" y="3447051"/>
+            <a:ext cx="972000" cy="36000"/>
+          </a:xfrm>
+          <a:prstGeom prst="rect">
+            <a:avLst/>
+          </a:prstGeom>
+          <a:solidFill>
+            <a:srgbClr val="7030A0"/>
+          </a:solidFill>
+          <a:ln>
+            <a:solidFill>
+              <a:srgbClr val="7030A0"/>
+            </a:solidFill>
+          </a:ln>
+        </p:spPr>
+        <p:style>
+          <a:lnRef idx="2">
+            <a:schemeClr val="accent1">
+              <a:shade val="50000"/>
+            </a:schemeClr>
+          </a:lnRef>
+          <a:fillRef idx="1">
+            <a:schemeClr val="accent1"/>
+          </a:fillRef>
+          <a:effectRef idx="0">
+            <a:schemeClr val="accent1"/>
+          </a:effectRef>
+          <a:fontRef idx="minor">
+            <a:schemeClr val="lt1"/>
+          </a:fontRef>
+        </p:style>
+        <p:txBody>
+          <a:bodyPr rtlCol="0" anchor="ctr"/>
+          <a:lstStyle/>
+          <a:p>
+            <a:pPr algn="ctr"/>
+            <a:endParaRPr kumimoji="1" lang="ja-JP" altLang="en-US"/>
+          </a:p>
+        </p:txBody>
+      </p:sp>
+      <p:sp>
+        <p:nvSpPr>
+          <p:cNvPr id="25" name="テキスト ボックス 24">
+            <a:extLst>
+              <a:ext uri="{FF2B5EF4-FFF2-40B4-BE49-F238E27FC236}">
+                <a16:creationId xmlns:a16="http://schemas.microsoft.com/office/drawing/2014/main" id="{7B511FF9-E66A-3126-4C78-F93B6C92BD4F}"/>
+              </a:ext>
+            </a:extLst>
+          </p:cNvPr>
+          <p:cNvSpPr txBox="1"/>
+          <p:nvPr/>
+        </p:nvSpPr>
+        <p:spPr>
           <a:xfrm>
-            <a:off x="7017349" y="2725448"/>
-            <a:ext cx="647700" cy="1376665"/>
+            <a:off x="6832399" y="2340736"/>
+            <a:ext cx="2260555" cy="584775"/>
+          </a:xfrm>
+          <a:prstGeom prst="rect">
+            <a:avLst/>
+          </a:prstGeom>
+          <a:noFill/>
+        </p:spPr>
+        <p:txBody>
+          <a:bodyPr wrap="none" rtlCol="0">
+            <a:spAutoFit/>
+          </a:bodyPr>
+          <a:lstStyle/>
+          <a:p>
+            <a:r>
+              <a:rPr lang="ja-JP" altLang="en-US" dirty="0"/>
+              <a:t>可視光スペクトル</a:t>
+            </a:r>
+            <a:endParaRPr lang="en-US" altLang="ja-JP" dirty="0"/>
+          </a:p>
+          <a:p>
+            <a:r>
+              <a:rPr lang="ja-JP" altLang="en-US" sz="1400" dirty="0"/>
+              <a:t>（周波数：</a:t>
+            </a:r>
+            <a:r>
+              <a:rPr lang="en-US" altLang="ja-JP" sz="1400" b="0" i="0" dirty="0">
+                <a:solidFill>
+                  <a:srgbClr val="040C28"/>
+                </a:solidFill>
+                <a:effectLst/>
+                <a:latin typeface="Google Sans"/>
+              </a:rPr>
+              <a:t>405</a:t>
+            </a:r>
+            <a:r>
+              <a:rPr lang="ja-JP" altLang="en-US" sz="1400" b="0" i="0" dirty="0">
+                <a:solidFill>
+                  <a:srgbClr val="040C28"/>
+                </a:solidFill>
+                <a:effectLst/>
+                <a:latin typeface="Google Sans"/>
+              </a:rPr>
+              <a:t>～</a:t>
+            </a:r>
+            <a:r>
+              <a:rPr lang="en-US" altLang="ja-JP" sz="1400" b="0" i="0" dirty="0">
+                <a:solidFill>
+                  <a:srgbClr val="040C28"/>
+                </a:solidFill>
+                <a:effectLst/>
+                <a:latin typeface="Google Sans"/>
+              </a:rPr>
+              <a:t>790THz</a:t>
+            </a:r>
+            <a:r>
+              <a:rPr lang="ja-JP" altLang="en-US" sz="1400" dirty="0"/>
+              <a:t>）</a:t>
+            </a:r>
+            <a:endParaRPr kumimoji="1" lang="ja-JP" altLang="en-US" sz="1400" dirty="0"/>
+          </a:p>
+        </p:txBody>
+      </p:sp>
+      <p:sp>
+        <p:nvSpPr>
+          <p:cNvPr id="26" name="テキスト ボックス 25">
+            <a:extLst>
+              <a:ext uri="{FF2B5EF4-FFF2-40B4-BE49-F238E27FC236}">
+                <a16:creationId xmlns:a16="http://schemas.microsoft.com/office/drawing/2014/main" id="{C090A4F7-312C-83EA-1F34-4B8E8E8C8EF6}"/>
+              </a:ext>
+            </a:extLst>
+          </p:cNvPr>
+          <p:cNvSpPr txBox="1"/>
+          <p:nvPr/>
+        </p:nvSpPr>
+        <p:spPr>
+          <a:xfrm>
+            <a:off x="4329915" y="2020340"/>
+            <a:ext cx="2092626" cy="369332"/>
+          </a:xfrm>
+          <a:prstGeom prst="rect">
+            <a:avLst/>
+          </a:prstGeom>
+          <a:noFill/>
+        </p:spPr>
+        <p:txBody>
+          <a:bodyPr wrap="square" rtlCol="0">
+            <a:spAutoFit/>
+          </a:bodyPr>
+          <a:lstStyle/>
+          <a:p>
+            <a:r>
+              <a:rPr lang="ja-JP" altLang="en-US" dirty="0"/>
+              <a:t>三角プリズム</a:t>
+            </a:r>
+            <a:endParaRPr kumimoji="1" lang="ja-JP" altLang="en-US" dirty="0"/>
+          </a:p>
+        </p:txBody>
+      </p:sp>
+      <p:sp>
+        <p:nvSpPr>
+          <p:cNvPr id="27" name="テキスト ボックス 26">
+            <a:extLst>
+              <a:ext uri="{FF2B5EF4-FFF2-40B4-BE49-F238E27FC236}">
+                <a16:creationId xmlns:a16="http://schemas.microsoft.com/office/drawing/2014/main" id="{B964D885-76C4-3FA8-4278-4BAB72B4CB83}"/>
+              </a:ext>
+            </a:extLst>
+          </p:cNvPr>
+          <p:cNvSpPr txBox="1"/>
+          <p:nvPr/>
+        </p:nvSpPr>
+        <p:spPr>
+          <a:xfrm rot="19740000">
+            <a:off x="3107722" y="3436089"/>
+            <a:ext cx="1107996" cy="369332"/>
+          </a:xfrm>
+          <a:prstGeom prst="rect">
+            <a:avLst/>
+          </a:prstGeom>
+          <a:noFill/>
+        </p:spPr>
+        <p:txBody>
+          <a:bodyPr wrap="none" rtlCol="0">
+            <a:spAutoFit/>
+          </a:bodyPr>
+          <a:lstStyle/>
+          <a:p>
+            <a:r>
+              <a:rPr lang="ja-JP" altLang="en-US" dirty="0"/>
+              <a:t>白色</a:t>
+            </a:r>
+            <a:r>
+              <a:rPr kumimoji="1" lang="ja-JP" altLang="en-US" dirty="0"/>
+              <a:t>光</a:t>
+            </a:r>
+            <a:r>
+              <a:rPr lang="ja-JP" altLang="en-US" dirty="0"/>
+              <a:t>→</a:t>
+            </a:r>
+            <a:endParaRPr kumimoji="1" lang="ja-JP" altLang="en-US" dirty="0"/>
+          </a:p>
+        </p:txBody>
+      </p:sp>
+      <p:sp>
+        <p:nvSpPr>
+          <p:cNvPr id="28" name="テキスト ボックス 27">
+            <a:extLst>
+              <a:ext uri="{FF2B5EF4-FFF2-40B4-BE49-F238E27FC236}">
+                <a16:creationId xmlns:a16="http://schemas.microsoft.com/office/drawing/2014/main" id="{239C04DE-CF2D-B111-DDB2-1DCF1C566359}"/>
+              </a:ext>
+            </a:extLst>
+          </p:cNvPr>
+          <p:cNvSpPr txBox="1"/>
+          <p:nvPr/>
+        </p:nvSpPr>
+        <p:spPr>
+          <a:xfrm>
+            <a:off x="7616909" y="3041946"/>
+            <a:ext cx="1396536" cy="276999"/>
+          </a:xfrm>
+          <a:prstGeom prst="rect">
+            <a:avLst/>
+          </a:prstGeom>
+          <a:noFill/>
+        </p:spPr>
+        <p:txBody>
+          <a:bodyPr wrap="none" rtlCol="0">
+            <a:spAutoFit/>
+          </a:bodyPr>
+          <a:lstStyle/>
+          <a:p>
+            <a:r>
+              <a:rPr lang="ja-JP" altLang="en-US" sz="1200" dirty="0"/>
+              <a:t>赤</a:t>
+            </a:r>
+            <a:r>
+              <a:rPr lang="en-US" altLang="ja-JP" sz="1200" dirty="0"/>
+              <a:t>(</a:t>
+            </a:r>
+            <a:r>
+              <a:rPr lang="ja-JP" altLang="en-US" sz="1200" dirty="0"/>
+              <a:t>波長：</a:t>
+            </a:r>
+            <a:r>
+              <a:rPr lang="en-US" altLang="ja-JP" sz="1200" dirty="0"/>
+              <a:t>700nm)</a:t>
+            </a:r>
+            <a:endParaRPr kumimoji="1" lang="ja-JP" altLang="en-US" sz="1200" dirty="0"/>
+          </a:p>
+        </p:txBody>
+      </p:sp>
+      <p:sp>
+        <p:nvSpPr>
+          <p:cNvPr id="29" name="テキスト ボックス 28">
+            <a:extLst>
+              <a:ext uri="{FF2B5EF4-FFF2-40B4-BE49-F238E27FC236}">
+                <a16:creationId xmlns:a16="http://schemas.microsoft.com/office/drawing/2014/main" id="{10C82BF5-84AD-A4B5-8D61-8DDC4AB04AD5}"/>
+              </a:ext>
+            </a:extLst>
+          </p:cNvPr>
+          <p:cNvSpPr txBox="1"/>
+          <p:nvPr/>
+        </p:nvSpPr>
+        <p:spPr>
+          <a:xfrm>
+            <a:off x="7616909" y="4080158"/>
+            <a:ext cx="1439818" cy="276999"/>
+          </a:xfrm>
+          <a:prstGeom prst="rect">
+            <a:avLst/>
+          </a:prstGeom>
+          <a:noFill/>
+        </p:spPr>
+        <p:txBody>
+          <a:bodyPr wrap="none" rtlCol="0">
+            <a:spAutoFit/>
+          </a:bodyPr>
+          <a:lstStyle/>
+          <a:p>
+            <a:r>
+              <a:rPr lang="ja-JP" altLang="en-US" sz="1200" dirty="0"/>
+              <a:t>紫</a:t>
+            </a:r>
+            <a:r>
+              <a:rPr lang="en-US" altLang="ja-JP" sz="1200" dirty="0"/>
+              <a:t>(</a:t>
+            </a:r>
+            <a:r>
+              <a:rPr lang="ja-JP" altLang="en-US" sz="1200" dirty="0"/>
+              <a:t>波長： </a:t>
+            </a:r>
+            <a:r>
+              <a:rPr lang="en-US" altLang="ja-JP" sz="1200" dirty="0"/>
+              <a:t>400nm)</a:t>
+            </a:r>
+            <a:endParaRPr kumimoji="1" lang="ja-JP" altLang="en-US" sz="1200" dirty="0"/>
+          </a:p>
+        </p:txBody>
+      </p:sp>
+      <p:sp>
+        <p:nvSpPr>
+          <p:cNvPr id="30" name="テキスト ボックス 29">
+            <a:extLst>
+              <a:ext uri="{FF2B5EF4-FFF2-40B4-BE49-F238E27FC236}">
+                <a16:creationId xmlns:a16="http://schemas.microsoft.com/office/drawing/2014/main" id="{D02E5F16-85F6-D3A3-1DCE-A5A257159FA9}"/>
+              </a:ext>
+            </a:extLst>
+          </p:cNvPr>
+          <p:cNvSpPr txBox="1"/>
+          <p:nvPr/>
+        </p:nvSpPr>
+        <p:spPr>
+          <a:xfrm>
+            <a:off x="7616909" y="3390919"/>
+            <a:ext cx="1439818" cy="276999"/>
+          </a:xfrm>
+          <a:prstGeom prst="rect">
+            <a:avLst/>
+          </a:prstGeom>
+          <a:noFill/>
+        </p:spPr>
+        <p:txBody>
+          <a:bodyPr wrap="none" rtlCol="0">
+            <a:spAutoFit/>
+          </a:bodyPr>
+          <a:lstStyle/>
+          <a:p>
+            <a:r>
+              <a:rPr lang="ja-JP" altLang="en-US" sz="1200" dirty="0"/>
+              <a:t>緑</a:t>
+            </a:r>
+            <a:r>
+              <a:rPr lang="en-US" altLang="ja-JP" sz="1200" dirty="0"/>
+              <a:t>(</a:t>
+            </a:r>
+            <a:r>
+              <a:rPr lang="ja-JP" altLang="en-US" sz="1200" dirty="0"/>
+              <a:t>波長： </a:t>
+            </a:r>
+            <a:r>
+              <a:rPr lang="en-US" altLang="ja-JP" sz="1200" dirty="0"/>
+              <a:t>550nm)</a:t>
+            </a:r>
+            <a:endParaRPr kumimoji="1" lang="ja-JP" altLang="en-US" sz="1200" dirty="0"/>
+          </a:p>
+        </p:txBody>
+      </p:sp>
+      <p:sp>
+        <p:nvSpPr>
+          <p:cNvPr id="31" name="テキスト ボックス 30">
+            <a:extLst>
+              <a:ext uri="{FF2B5EF4-FFF2-40B4-BE49-F238E27FC236}">
+                <a16:creationId xmlns:a16="http://schemas.microsoft.com/office/drawing/2014/main" id="{71450C2E-2D50-2E52-9C01-60216CAA82A6}"/>
+              </a:ext>
+            </a:extLst>
+          </p:cNvPr>
+          <p:cNvSpPr txBox="1"/>
+          <p:nvPr/>
+        </p:nvSpPr>
+        <p:spPr>
+          <a:xfrm>
+            <a:off x="7616909" y="3774728"/>
+            <a:ext cx="1439818" cy="276999"/>
+          </a:xfrm>
+          <a:prstGeom prst="rect">
+            <a:avLst/>
+          </a:prstGeom>
+          <a:noFill/>
+        </p:spPr>
+        <p:txBody>
+          <a:bodyPr wrap="none" rtlCol="0">
+            <a:spAutoFit/>
+          </a:bodyPr>
+          <a:lstStyle/>
+          <a:p>
+            <a:r>
+              <a:rPr lang="ja-JP" altLang="en-US" sz="1200" dirty="0"/>
+              <a:t>青</a:t>
+            </a:r>
+            <a:r>
+              <a:rPr lang="en-US" altLang="ja-JP" sz="1200" dirty="0"/>
+              <a:t>(</a:t>
+            </a:r>
+            <a:r>
+              <a:rPr lang="ja-JP" altLang="en-US" sz="1200" dirty="0"/>
+              <a:t>波長： </a:t>
+            </a:r>
+            <a:r>
+              <a:rPr lang="en-US" altLang="ja-JP" sz="1200" dirty="0"/>
+              <a:t>500nm)</a:t>
+            </a:r>
+            <a:endParaRPr kumimoji="1" lang="ja-JP" altLang="en-US" sz="1200" dirty="0"/>
+          </a:p>
+        </p:txBody>
+      </p:sp>
+      <p:sp>
+        <p:nvSpPr>
+          <p:cNvPr id="5" name="正方形/長方形 4">
+            <a:extLst>
+              <a:ext uri="{FF2B5EF4-FFF2-40B4-BE49-F238E27FC236}">
+                <a16:creationId xmlns:a16="http://schemas.microsoft.com/office/drawing/2014/main" id="{8F6C3DAA-C226-5E84-A83B-A18BFE5735CD}"/>
+              </a:ext>
+            </a:extLst>
+          </p:cNvPr>
+          <p:cNvSpPr/>
+          <p:nvPr/>
+        </p:nvSpPr>
+        <p:spPr>
+          <a:xfrm rot="21600000">
+            <a:off x="5395077" y="3133853"/>
+            <a:ext cx="1620000" cy="36000"/>
+          </a:xfrm>
+          <a:prstGeom prst="rect">
+            <a:avLst/>
+          </a:prstGeom>
+          <a:solidFill>
+            <a:srgbClr val="FF0000"/>
+          </a:solidFill>
+          <a:ln>
+            <a:solidFill>
+              <a:srgbClr val="FF0000"/>
+            </a:solidFill>
+          </a:ln>
+        </p:spPr>
+        <p:style>
+          <a:lnRef idx="2">
+            <a:schemeClr val="accent1">
+              <a:shade val="50000"/>
+            </a:schemeClr>
+          </a:lnRef>
+          <a:fillRef idx="1">
+            <a:schemeClr val="accent1"/>
+          </a:fillRef>
+          <a:effectRef idx="0">
+            <a:schemeClr val="accent1"/>
+          </a:effectRef>
+          <a:fontRef idx="minor">
+            <a:schemeClr val="lt1"/>
+          </a:fontRef>
+        </p:style>
+        <p:txBody>
+          <a:bodyPr rtlCol="0" anchor="ctr"/>
+          <a:lstStyle/>
+          <a:p>
+            <a:pPr algn="ctr"/>
+            <a:endParaRPr kumimoji="1" lang="ja-JP" altLang="en-US"/>
+          </a:p>
+        </p:txBody>
+      </p:sp>
+      <p:sp>
+        <p:nvSpPr>
+          <p:cNvPr id="6" name="正方形/長方形 5">
+            <a:extLst>
+              <a:ext uri="{FF2B5EF4-FFF2-40B4-BE49-F238E27FC236}">
+                <a16:creationId xmlns:a16="http://schemas.microsoft.com/office/drawing/2014/main" id="{6561BBB0-1F2B-7F06-AB72-E0968DE5166B}"/>
+              </a:ext>
+            </a:extLst>
+          </p:cNvPr>
+          <p:cNvSpPr/>
+          <p:nvPr/>
+        </p:nvSpPr>
+        <p:spPr>
+          <a:xfrm rot="21840000">
+            <a:off x="5413658" y="3256741"/>
+            <a:ext cx="1584000" cy="36000"/>
+          </a:xfrm>
+          <a:prstGeom prst="rect">
+            <a:avLst/>
+          </a:prstGeom>
+          <a:solidFill>
+            <a:srgbClr val="FFC000"/>
+          </a:solidFill>
+          <a:ln>
+            <a:solidFill>
+              <a:srgbClr val="FFC000"/>
+            </a:solidFill>
+          </a:ln>
+        </p:spPr>
+        <p:style>
+          <a:lnRef idx="2">
+            <a:schemeClr val="accent1">
+              <a:shade val="50000"/>
+            </a:schemeClr>
+          </a:lnRef>
+          <a:fillRef idx="1">
+            <a:schemeClr val="accent1"/>
+          </a:fillRef>
+          <a:effectRef idx="0">
+            <a:schemeClr val="accent1"/>
+          </a:effectRef>
+          <a:fontRef idx="minor">
+            <a:schemeClr val="lt1"/>
+          </a:fontRef>
+        </p:style>
+        <p:txBody>
+          <a:bodyPr rtlCol="0" anchor="ctr"/>
+          <a:lstStyle/>
+          <a:p>
+            <a:pPr algn="ctr"/>
+            <a:endParaRPr kumimoji="1" lang="ja-JP" altLang="en-US"/>
+          </a:p>
+        </p:txBody>
+      </p:sp>
+      <p:sp>
+        <p:nvSpPr>
+          <p:cNvPr id="7" name="正方形/長方形 6">
+            <a:extLst>
+              <a:ext uri="{FF2B5EF4-FFF2-40B4-BE49-F238E27FC236}">
+                <a16:creationId xmlns:a16="http://schemas.microsoft.com/office/drawing/2014/main" id="{A99F34EC-D5B3-CA43-8DD7-49B6244A6E5C}"/>
+              </a:ext>
+            </a:extLst>
+          </p:cNvPr>
+          <p:cNvSpPr/>
+          <p:nvPr/>
+        </p:nvSpPr>
+        <p:spPr>
+          <a:xfrm rot="22080000">
+            <a:off x="5464755" y="3378007"/>
+            <a:ext cx="1548000" cy="36000"/>
+          </a:xfrm>
+          <a:prstGeom prst="rect">
+            <a:avLst/>
+          </a:prstGeom>
+          <a:solidFill>
+            <a:srgbClr val="FFFF00"/>
+          </a:solidFill>
+          <a:ln>
+            <a:solidFill>
+              <a:srgbClr val="FFFF00"/>
+            </a:solidFill>
+          </a:ln>
+        </p:spPr>
+        <p:style>
+          <a:lnRef idx="2">
+            <a:schemeClr val="accent1">
+              <a:shade val="50000"/>
+            </a:schemeClr>
+          </a:lnRef>
+          <a:fillRef idx="1">
+            <a:schemeClr val="accent1"/>
+          </a:fillRef>
+          <a:effectRef idx="0">
+            <a:schemeClr val="accent1"/>
+          </a:effectRef>
+          <a:fontRef idx="minor">
+            <a:schemeClr val="lt1"/>
+          </a:fontRef>
+        </p:style>
+        <p:txBody>
+          <a:bodyPr rtlCol="0" anchor="ctr"/>
+          <a:lstStyle/>
+          <a:p>
+            <a:pPr algn="ctr"/>
+            <a:endParaRPr kumimoji="1" lang="ja-JP" altLang="en-US" dirty="0"/>
+          </a:p>
+        </p:txBody>
+      </p:sp>
+      <p:sp>
+        <p:nvSpPr>
+          <p:cNvPr id="9" name="正方形/長方形 8">
+            <a:extLst>
+              <a:ext uri="{FF2B5EF4-FFF2-40B4-BE49-F238E27FC236}">
+                <a16:creationId xmlns:a16="http://schemas.microsoft.com/office/drawing/2014/main" id="{FAABE2F6-FE91-0BA0-02DD-8716614EA316}"/>
+              </a:ext>
+            </a:extLst>
+          </p:cNvPr>
+          <p:cNvSpPr/>
+          <p:nvPr/>
+        </p:nvSpPr>
+        <p:spPr>
+          <a:xfrm rot="780000">
+            <a:off x="5492116" y="3516844"/>
+            <a:ext cx="1512000" cy="36000"/>
+          </a:xfrm>
+          <a:prstGeom prst="rect">
+            <a:avLst/>
+          </a:prstGeom>
+          <a:solidFill>
+            <a:srgbClr val="00B050"/>
+          </a:solidFill>
+          <a:ln>
+            <a:solidFill>
+              <a:srgbClr val="00B050"/>
+            </a:solidFill>
+          </a:ln>
+        </p:spPr>
+        <p:style>
+          <a:lnRef idx="2">
+            <a:schemeClr val="accent1">
+              <a:shade val="50000"/>
+            </a:schemeClr>
+          </a:lnRef>
+          <a:fillRef idx="1">
+            <a:schemeClr val="accent1"/>
+          </a:fillRef>
+          <a:effectRef idx="0">
+            <a:schemeClr val="accent1"/>
+          </a:effectRef>
+          <a:fontRef idx="minor">
+            <a:schemeClr val="lt1"/>
+          </a:fontRef>
+        </p:style>
+        <p:txBody>
+          <a:bodyPr rtlCol="0" anchor="ctr"/>
+          <a:lstStyle/>
+          <a:p>
+            <a:pPr algn="ctr"/>
+            <a:endParaRPr kumimoji="1" lang="ja-JP" altLang="en-US"/>
+          </a:p>
+        </p:txBody>
+      </p:sp>
+      <p:sp>
+        <p:nvSpPr>
+          <p:cNvPr id="10" name="正方形/長方形 9">
+            <a:extLst>
+              <a:ext uri="{FF2B5EF4-FFF2-40B4-BE49-F238E27FC236}">
+                <a16:creationId xmlns:a16="http://schemas.microsoft.com/office/drawing/2014/main" id="{7C667D2D-E8B2-2FC4-5EBD-39EEAA4CDE37}"/>
+              </a:ext>
+            </a:extLst>
+          </p:cNvPr>
+          <p:cNvSpPr/>
+          <p:nvPr/>
+        </p:nvSpPr>
+        <p:spPr>
+          <a:xfrm rot="1200000">
+            <a:off x="5522866" y="3721286"/>
+            <a:ext cx="1512000" cy="36000"/>
+          </a:xfrm>
+          <a:prstGeom prst="rect">
+            <a:avLst/>
+          </a:prstGeom>
+          <a:solidFill>
+            <a:srgbClr val="0070C0"/>
+          </a:solidFill>
+          <a:ln>
+            <a:solidFill>
+              <a:srgbClr val="0070C0"/>
+            </a:solidFill>
+          </a:ln>
+        </p:spPr>
+        <p:style>
+          <a:lnRef idx="2">
+            <a:schemeClr val="accent1">
+              <a:shade val="50000"/>
+            </a:schemeClr>
+          </a:lnRef>
+          <a:fillRef idx="1">
+            <a:schemeClr val="accent1"/>
+          </a:fillRef>
+          <a:effectRef idx="0">
+            <a:schemeClr val="accent1"/>
+          </a:effectRef>
+          <a:fontRef idx="minor">
+            <a:schemeClr val="lt1"/>
+          </a:fontRef>
+        </p:style>
+        <p:txBody>
+          <a:bodyPr rtlCol="0" anchor="ctr"/>
+          <a:lstStyle/>
+          <a:p>
+            <a:pPr algn="ctr"/>
+            <a:endParaRPr kumimoji="1" lang="ja-JP" altLang="en-US"/>
+          </a:p>
+        </p:txBody>
+      </p:sp>
+      <p:sp>
+        <p:nvSpPr>
+          <p:cNvPr id="11" name="正方形/長方形 10">
+            <a:extLst>
+              <a:ext uri="{FF2B5EF4-FFF2-40B4-BE49-F238E27FC236}">
+                <a16:creationId xmlns:a16="http://schemas.microsoft.com/office/drawing/2014/main" id="{9293882F-5126-B753-8747-B9A1BF622CEB}"/>
+              </a:ext>
+            </a:extLst>
+          </p:cNvPr>
+          <p:cNvSpPr/>
+          <p:nvPr/>
+        </p:nvSpPr>
+        <p:spPr>
+          <a:xfrm rot="1500000">
+            <a:off x="5545082" y="3899753"/>
+            <a:ext cx="1548000" cy="36000"/>
+          </a:xfrm>
+          <a:prstGeom prst="rect">
+            <a:avLst/>
+          </a:prstGeom>
+          <a:solidFill>
+            <a:srgbClr val="7030A0"/>
+          </a:solidFill>
+          <a:ln>
+            <a:solidFill>
+              <a:srgbClr val="7030A0"/>
+            </a:solidFill>
+          </a:ln>
+        </p:spPr>
+        <p:style>
+          <a:lnRef idx="2">
+            <a:schemeClr val="accent1">
+              <a:shade val="50000"/>
+            </a:schemeClr>
+          </a:lnRef>
+          <a:fillRef idx="1">
+            <a:schemeClr val="accent1"/>
+          </a:fillRef>
+          <a:effectRef idx="0">
+            <a:schemeClr val="accent1"/>
+          </a:effectRef>
+          <a:fontRef idx="minor">
+            <a:schemeClr val="lt1"/>
+          </a:fontRef>
+        </p:style>
+        <p:txBody>
+          <a:bodyPr rtlCol="0" anchor="ctr"/>
+          <a:lstStyle/>
+          <a:p>
+            <a:pPr algn="ctr"/>
+            <a:endParaRPr kumimoji="1" lang="ja-JP" altLang="en-US"/>
+          </a:p>
+        </p:txBody>
+      </p:sp>
+      <p:sp>
+        <p:nvSpPr>
+          <p:cNvPr id="12" name="正方形/長方形 11">
+            <a:extLst>
+              <a:ext uri="{FF2B5EF4-FFF2-40B4-BE49-F238E27FC236}">
+                <a16:creationId xmlns:a16="http://schemas.microsoft.com/office/drawing/2014/main" id="{C8530B56-9CA0-36BC-21AB-96DB1FC591D9}"/>
+              </a:ext>
+            </a:extLst>
+          </p:cNvPr>
+          <p:cNvSpPr/>
+          <p:nvPr/>
+        </p:nvSpPr>
+        <p:spPr>
+          <a:xfrm>
+            <a:off x="6947677" y="3093720"/>
+            <a:ext cx="647700" cy="1199279"/>
           </a:xfrm>
           <a:prstGeom prst="rect">
             <a:avLst/>
@@ -3796,679 +4793,6 @@
           <a:p>
             <a:pPr algn="ctr"/>
             <a:endParaRPr kumimoji="1" lang="ja-JP" altLang="en-US"/>
-          </a:p>
-        </p:txBody>
-      </p:sp>
-      <p:sp>
-        <p:nvSpPr>
-          <p:cNvPr id="17" name="正方形/長方形 16">
-            <a:extLst>
-              <a:ext uri="{FF2B5EF4-FFF2-40B4-BE49-F238E27FC236}">
-                <a16:creationId xmlns:a16="http://schemas.microsoft.com/office/drawing/2014/main" id="{641F769F-775C-4C2A-A6CE-99BB2D2B9639}"/>
-              </a:ext>
-            </a:extLst>
-          </p:cNvPr>
-          <p:cNvSpPr/>
-          <p:nvPr/>
-        </p:nvSpPr>
-        <p:spPr>
-          <a:xfrm rot="-600000">
-            <a:off x="4675535" y="3074811"/>
-            <a:ext cx="2160000" cy="36000"/>
-          </a:xfrm>
-          <a:prstGeom prst="rect">
-            <a:avLst/>
-          </a:prstGeom>
-          <a:solidFill>
-            <a:srgbClr val="FF0000"/>
-          </a:solidFill>
-          <a:ln>
-            <a:solidFill>
-              <a:srgbClr val="FF0000"/>
-            </a:solidFill>
-          </a:ln>
-        </p:spPr>
-        <p:style>
-          <a:lnRef idx="2">
-            <a:schemeClr val="accent1">
-              <a:shade val="50000"/>
-            </a:schemeClr>
-          </a:lnRef>
-          <a:fillRef idx="1">
-            <a:schemeClr val="accent1"/>
-          </a:fillRef>
-          <a:effectRef idx="0">
-            <a:schemeClr val="accent1"/>
-          </a:effectRef>
-          <a:fontRef idx="minor">
-            <a:schemeClr val="lt1"/>
-          </a:fontRef>
-        </p:style>
-        <p:txBody>
-          <a:bodyPr rtlCol="0" anchor="ctr"/>
-          <a:lstStyle/>
-          <a:p>
-            <a:pPr algn="ctr"/>
-            <a:endParaRPr kumimoji="1" lang="ja-JP" altLang="en-US"/>
-          </a:p>
-        </p:txBody>
-      </p:sp>
-      <p:sp>
-        <p:nvSpPr>
-          <p:cNvPr id="18" name="正方形/長方形 17">
-            <a:extLst>
-              <a:ext uri="{FF2B5EF4-FFF2-40B4-BE49-F238E27FC236}">
-                <a16:creationId xmlns:a16="http://schemas.microsoft.com/office/drawing/2014/main" id="{CE6B249F-081C-CF5A-082C-E9DFEFCD794D}"/>
-              </a:ext>
-            </a:extLst>
-          </p:cNvPr>
-          <p:cNvSpPr/>
-          <p:nvPr/>
-        </p:nvSpPr>
-        <p:spPr>
-          <a:xfrm rot="-360000">
-            <a:off x="4705326" y="3160786"/>
-            <a:ext cx="2160000" cy="36000"/>
-          </a:xfrm>
-          <a:prstGeom prst="rect">
-            <a:avLst/>
-          </a:prstGeom>
-          <a:solidFill>
-            <a:srgbClr val="FFC000"/>
-          </a:solidFill>
-          <a:ln>
-            <a:solidFill>
-              <a:srgbClr val="FFC000"/>
-            </a:solidFill>
-          </a:ln>
-        </p:spPr>
-        <p:style>
-          <a:lnRef idx="2">
-            <a:schemeClr val="accent1">
-              <a:shade val="50000"/>
-            </a:schemeClr>
-          </a:lnRef>
-          <a:fillRef idx="1">
-            <a:schemeClr val="accent1"/>
-          </a:fillRef>
-          <a:effectRef idx="0">
-            <a:schemeClr val="accent1"/>
-          </a:effectRef>
-          <a:fontRef idx="minor">
-            <a:schemeClr val="lt1"/>
-          </a:fontRef>
-        </p:style>
-        <p:txBody>
-          <a:bodyPr rtlCol="0" anchor="ctr"/>
-          <a:lstStyle/>
-          <a:p>
-            <a:pPr algn="ctr"/>
-            <a:endParaRPr kumimoji="1" lang="ja-JP" altLang="en-US"/>
-          </a:p>
-        </p:txBody>
-      </p:sp>
-      <p:sp>
-        <p:nvSpPr>
-          <p:cNvPr id="19" name="正方形/長方形 18">
-            <a:extLst>
-              <a:ext uri="{FF2B5EF4-FFF2-40B4-BE49-F238E27FC236}">
-                <a16:creationId xmlns:a16="http://schemas.microsoft.com/office/drawing/2014/main" id="{63753910-64CF-369C-DC14-6ABEA5703D6C}"/>
-              </a:ext>
-            </a:extLst>
-          </p:cNvPr>
-          <p:cNvSpPr/>
-          <p:nvPr/>
-        </p:nvSpPr>
-        <p:spPr>
-          <a:xfrm rot="-120000">
-            <a:off x="4707866" y="3250893"/>
-            <a:ext cx="2160000" cy="36000"/>
-          </a:xfrm>
-          <a:prstGeom prst="rect">
-            <a:avLst/>
-          </a:prstGeom>
-          <a:solidFill>
-            <a:srgbClr val="FFFF00"/>
-          </a:solidFill>
-          <a:ln>
-            <a:solidFill>
-              <a:srgbClr val="FFFF00"/>
-            </a:solidFill>
-          </a:ln>
-        </p:spPr>
-        <p:style>
-          <a:lnRef idx="2">
-            <a:schemeClr val="accent1">
-              <a:shade val="50000"/>
-            </a:schemeClr>
-          </a:lnRef>
-          <a:fillRef idx="1">
-            <a:schemeClr val="accent1"/>
-          </a:fillRef>
-          <a:effectRef idx="0">
-            <a:schemeClr val="accent1"/>
-          </a:effectRef>
-          <a:fontRef idx="minor">
-            <a:schemeClr val="lt1"/>
-          </a:fontRef>
-        </p:style>
-        <p:txBody>
-          <a:bodyPr rtlCol="0" anchor="ctr"/>
-          <a:lstStyle/>
-          <a:p>
-            <a:pPr algn="ctr"/>
-            <a:endParaRPr kumimoji="1" lang="ja-JP" altLang="en-US" dirty="0"/>
-          </a:p>
-        </p:txBody>
-      </p:sp>
-      <p:sp>
-        <p:nvSpPr>
-          <p:cNvPr id="21" name="正方形/長方形 20">
-            <a:extLst>
-              <a:ext uri="{FF2B5EF4-FFF2-40B4-BE49-F238E27FC236}">
-                <a16:creationId xmlns:a16="http://schemas.microsoft.com/office/drawing/2014/main" id="{761E8689-56AE-F68D-E410-C21554E42B08}"/>
-              </a:ext>
-            </a:extLst>
-          </p:cNvPr>
-          <p:cNvSpPr/>
-          <p:nvPr/>
-        </p:nvSpPr>
-        <p:spPr>
-          <a:xfrm rot="180000">
-            <a:off x="4724376" y="3356615"/>
-            <a:ext cx="2160000" cy="36000"/>
-          </a:xfrm>
-          <a:prstGeom prst="rect">
-            <a:avLst/>
-          </a:prstGeom>
-          <a:solidFill>
-            <a:srgbClr val="00B050"/>
-          </a:solidFill>
-          <a:ln>
-            <a:solidFill>
-              <a:srgbClr val="00B050"/>
-            </a:solidFill>
-          </a:ln>
-        </p:spPr>
-        <p:style>
-          <a:lnRef idx="2">
-            <a:schemeClr val="accent1">
-              <a:shade val="50000"/>
-            </a:schemeClr>
-          </a:lnRef>
-          <a:fillRef idx="1">
-            <a:schemeClr val="accent1"/>
-          </a:fillRef>
-          <a:effectRef idx="0">
-            <a:schemeClr val="accent1"/>
-          </a:effectRef>
-          <a:fontRef idx="minor">
-            <a:schemeClr val="lt1"/>
-          </a:fontRef>
-        </p:style>
-        <p:txBody>
-          <a:bodyPr rtlCol="0" anchor="ctr"/>
-          <a:lstStyle/>
-          <a:p>
-            <a:pPr algn="ctr"/>
-            <a:endParaRPr kumimoji="1" lang="ja-JP" altLang="en-US"/>
-          </a:p>
-        </p:txBody>
-      </p:sp>
-      <p:sp>
-        <p:nvSpPr>
-          <p:cNvPr id="22" name="正方形/長方形 21">
-            <a:extLst>
-              <a:ext uri="{FF2B5EF4-FFF2-40B4-BE49-F238E27FC236}">
-                <a16:creationId xmlns:a16="http://schemas.microsoft.com/office/drawing/2014/main" id="{CA93E1AC-F0C1-50E1-E16E-042DC90995CF}"/>
-              </a:ext>
-            </a:extLst>
-          </p:cNvPr>
-          <p:cNvSpPr/>
-          <p:nvPr/>
-        </p:nvSpPr>
-        <p:spPr>
-          <a:xfrm rot="600000">
-            <a:off x="4675262" y="3502233"/>
-            <a:ext cx="2196000" cy="36000"/>
-          </a:xfrm>
-          <a:prstGeom prst="rect">
-            <a:avLst/>
-          </a:prstGeom>
-          <a:solidFill>
-            <a:srgbClr val="0070C0"/>
-          </a:solidFill>
-          <a:ln>
-            <a:solidFill>
-              <a:srgbClr val="0070C0"/>
-            </a:solidFill>
-          </a:ln>
-        </p:spPr>
-        <p:style>
-          <a:lnRef idx="2">
-            <a:schemeClr val="accent1">
-              <a:shade val="50000"/>
-            </a:schemeClr>
-          </a:lnRef>
-          <a:fillRef idx="1">
-            <a:schemeClr val="accent1"/>
-          </a:fillRef>
-          <a:effectRef idx="0">
-            <a:schemeClr val="accent1"/>
-          </a:effectRef>
-          <a:fontRef idx="minor">
-            <a:schemeClr val="lt1"/>
-          </a:fontRef>
-        </p:style>
-        <p:txBody>
-          <a:bodyPr rtlCol="0" anchor="ctr"/>
-          <a:lstStyle/>
-          <a:p>
-            <a:pPr algn="ctr"/>
-            <a:endParaRPr kumimoji="1" lang="ja-JP" altLang="en-US"/>
-          </a:p>
-        </p:txBody>
-      </p:sp>
-      <p:sp>
-        <p:nvSpPr>
-          <p:cNvPr id="23" name="正方形/長方形 22">
-            <a:extLst>
-              <a:ext uri="{FF2B5EF4-FFF2-40B4-BE49-F238E27FC236}">
-                <a16:creationId xmlns:a16="http://schemas.microsoft.com/office/drawing/2014/main" id="{390561F0-F4C5-0996-9AD6-25994B9D6F39}"/>
-              </a:ext>
-            </a:extLst>
-          </p:cNvPr>
-          <p:cNvSpPr/>
-          <p:nvPr/>
-        </p:nvSpPr>
-        <p:spPr>
-          <a:xfrm rot="900000">
-            <a:off x="4655449" y="3610100"/>
-            <a:ext cx="2232000" cy="36000"/>
-          </a:xfrm>
-          <a:prstGeom prst="rect">
-            <a:avLst/>
-          </a:prstGeom>
-          <a:solidFill>
-            <a:srgbClr val="7030A0"/>
-          </a:solidFill>
-          <a:ln>
-            <a:solidFill>
-              <a:srgbClr val="7030A0"/>
-            </a:solidFill>
-          </a:ln>
-        </p:spPr>
-        <p:style>
-          <a:lnRef idx="2">
-            <a:schemeClr val="accent1">
-              <a:shade val="50000"/>
-            </a:schemeClr>
-          </a:lnRef>
-          <a:fillRef idx="1">
-            <a:schemeClr val="accent1"/>
-          </a:fillRef>
-          <a:effectRef idx="0">
-            <a:schemeClr val="accent1"/>
-          </a:effectRef>
-          <a:fontRef idx="minor">
-            <a:schemeClr val="lt1"/>
-          </a:fontRef>
-        </p:style>
-        <p:txBody>
-          <a:bodyPr rtlCol="0" anchor="ctr"/>
-          <a:lstStyle/>
-          <a:p>
-            <a:pPr algn="ctr"/>
-            <a:endParaRPr kumimoji="1" lang="ja-JP" altLang="en-US"/>
-          </a:p>
-        </p:txBody>
-      </p:sp>
-      <p:sp>
-        <p:nvSpPr>
-          <p:cNvPr id="25" name="テキスト ボックス 24">
-            <a:extLst>
-              <a:ext uri="{FF2B5EF4-FFF2-40B4-BE49-F238E27FC236}">
-                <a16:creationId xmlns:a16="http://schemas.microsoft.com/office/drawing/2014/main" id="{7B511FF9-E66A-3126-4C78-F93B6C92BD4F}"/>
-              </a:ext>
-            </a:extLst>
-          </p:cNvPr>
-          <p:cNvSpPr txBox="1"/>
-          <p:nvPr/>
-        </p:nvSpPr>
-        <p:spPr>
-          <a:xfrm>
-            <a:off x="6883838" y="2087267"/>
-            <a:ext cx="2260555" cy="584775"/>
-          </a:xfrm>
-          <a:prstGeom prst="rect">
-            <a:avLst/>
-          </a:prstGeom>
-          <a:noFill/>
-        </p:spPr>
-        <p:txBody>
-          <a:bodyPr wrap="none" rtlCol="0">
-            <a:spAutoFit/>
-          </a:bodyPr>
-          <a:lstStyle/>
-          <a:p>
-            <a:r>
-              <a:rPr lang="ja-JP" altLang="en-US" dirty="0"/>
-              <a:t>可視光スペクトル</a:t>
-            </a:r>
-            <a:endParaRPr lang="en-US" altLang="ja-JP" dirty="0"/>
-          </a:p>
-          <a:p>
-            <a:r>
-              <a:rPr lang="ja-JP" altLang="en-US" sz="1400" dirty="0"/>
-              <a:t>（周波数：</a:t>
-            </a:r>
-            <a:r>
-              <a:rPr lang="en-US" altLang="ja-JP" sz="1400" b="0" i="0" dirty="0">
-                <a:solidFill>
-                  <a:srgbClr val="040C28"/>
-                </a:solidFill>
-                <a:effectLst/>
-                <a:latin typeface="Google Sans"/>
-              </a:rPr>
-              <a:t>405</a:t>
-            </a:r>
-            <a:r>
-              <a:rPr lang="ja-JP" altLang="en-US" sz="1400" b="0" i="0" dirty="0">
-                <a:solidFill>
-                  <a:srgbClr val="040C28"/>
-                </a:solidFill>
-                <a:effectLst/>
-                <a:latin typeface="Google Sans"/>
-              </a:rPr>
-              <a:t>～</a:t>
-            </a:r>
-            <a:r>
-              <a:rPr lang="en-US" altLang="ja-JP" sz="1400" b="0" i="0" dirty="0">
-                <a:solidFill>
-                  <a:srgbClr val="040C28"/>
-                </a:solidFill>
-                <a:effectLst/>
-                <a:latin typeface="Google Sans"/>
-              </a:rPr>
-              <a:t>790THz</a:t>
-            </a:r>
-            <a:r>
-              <a:rPr lang="ja-JP" altLang="en-US" sz="1400" dirty="0"/>
-              <a:t>）</a:t>
-            </a:r>
-            <a:endParaRPr kumimoji="1" lang="ja-JP" altLang="en-US" sz="1400" dirty="0"/>
-          </a:p>
-        </p:txBody>
-      </p:sp>
-      <p:sp>
-        <p:nvSpPr>
-          <p:cNvPr id="26" name="テキスト ボックス 25">
-            <a:extLst>
-              <a:ext uri="{FF2B5EF4-FFF2-40B4-BE49-F238E27FC236}">
-                <a16:creationId xmlns:a16="http://schemas.microsoft.com/office/drawing/2014/main" id="{C090A4F7-312C-83EA-1F34-4B8E8E8C8EF6}"/>
-              </a:ext>
-            </a:extLst>
-          </p:cNvPr>
-          <p:cNvSpPr txBox="1"/>
-          <p:nvPr/>
-        </p:nvSpPr>
-        <p:spPr>
-          <a:xfrm>
-            <a:off x="4329915" y="2020340"/>
-            <a:ext cx="2092626" cy="369332"/>
-          </a:xfrm>
-          <a:prstGeom prst="rect">
-            <a:avLst/>
-          </a:prstGeom>
-          <a:noFill/>
-        </p:spPr>
-        <p:txBody>
-          <a:bodyPr wrap="square" rtlCol="0">
-            <a:spAutoFit/>
-          </a:bodyPr>
-          <a:lstStyle/>
-          <a:p>
-            <a:r>
-              <a:rPr lang="ja-JP" altLang="en-US" dirty="0"/>
-              <a:t>三角プリズム</a:t>
-            </a:r>
-            <a:endParaRPr kumimoji="1" lang="ja-JP" altLang="en-US" dirty="0"/>
-          </a:p>
-        </p:txBody>
-      </p:sp>
-      <p:sp>
-        <p:nvSpPr>
-          <p:cNvPr id="27" name="テキスト ボックス 26">
-            <a:extLst>
-              <a:ext uri="{FF2B5EF4-FFF2-40B4-BE49-F238E27FC236}">
-                <a16:creationId xmlns:a16="http://schemas.microsoft.com/office/drawing/2014/main" id="{B964D885-76C4-3FA8-4278-4BAB72B4CB83}"/>
-              </a:ext>
-            </a:extLst>
-          </p:cNvPr>
-          <p:cNvSpPr txBox="1"/>
-          <p:nvPr/>
-        </p:nvSpPr>
-        <p:spPr>
-          <a:xfrm rot="19740000">
-            <a:off x="3107722" y="3436089"/>
-            <a:ext cx="1107996" cy="369332"/>
-          </a:xfrm>
-          <a:prstGeom prst="rect">
-            <a:avLst/>
-          </a:prstGeom>
-          <a:noFill/>
-        </p:spPr>
-        <p:txBody>
-          <a:bodyPr wrap="none" rtlCol="0">
-            <a:spAutoFit/>
-          </a:bodyPr>
-          <a:lstStyle/>
-          <a:p>
-            <a:r>
-              <a:rPr lang="ja-JP" altLang="en-US" dirty="0"/>
-              <a:t>白色</a:t>
-            </a:r>
-            <a:r>
-              <a:rPr kumimoji="1" lang="ja-JP" altLang="en-US" dirty="0"/>
-              <a:t>光</a:t>
-            </a:r>
-            <a:r>
-              <a:rPr lang="ja-JP" altLang="en-US" dirty="0"/>
-              <a:t>→</a:t>
-            </a:r>
-            <a:endParaRPr kumimoji="1" lang="ja-JP" altLang="en-US" dirty="0"/>
-          </a:p>
-        </p:txBody>
-      </p:sp>
-      <p:sp>
-        <p:nvSpPr>
-          <p:cNvPr id="28" name="テキスト ボックス 27">
-            <a:extLst>
-              <a:ext uri="{FF2B5EF4-FFF2-40B4-BE49-F238E27FC236}">
-                <a16:creationId xmlns:a16="http://schemas.microsoft.com/office/drawing/2014/main" id="{239C04DE-CF2D-B111-DDB2-1DCF1C566359}"/>
-              </a:ext>
-            </a:extLst>
-          </p:cNvPr>
-          <p:cNvSpPr txBox="1"/>
-          <p:nvPr/>
-        </p:nvSpPr>
-        <p:spPr>
-          <a:xfrm>
-            <a:off x="7686581" y="2737134"/>
-            <a:ext cx="1396536" cy="276999"/>
-          </a:xfrm>
-          <a:prstGeom prst="rect">
-            <a:avLst/>
-          </a:prstGeom>
-          <a:noFill/>
-        </p:spPr>
-        <p:txBody>
-          <a:bodyPr wrap="none" rtlCol="0">
-            <a:spAutoFit/>
-          </a:bodyPr>
-          <a:lstStyle/>
-          <a:p>
-            <a:r>
-              <a:rPr lang="ja-JP" altLang="en-US" sz="1200" dirty="0"/>
-              <a:t>赤</a:t>
-            </a:r>
-            <a:r>
-              <a:rPr lang="en-US" altLang="ja-JP" sz="1200" dirty="0"/>
-              <a:t>(</a:t>
-            </a:r>
-            <a:r>
-              <a:rPr lang="ja-JP" altLang="en-US" sz="1200" dirty="0"/>
-              <a:t>波長：</a:t>
-            </a:r>
-            <a:r>
-              <a:rPr lang="en-US" altLang="ja-JP" sz="1200" dirty="0"/>
-              <a:t>700nm)</a:t>
-            </a:r>
-            <a:endParaRPr kumimoji="1" lang="ja-JP" altLang="en-US" sz="1200" dirty="0"/>
-          </a:p>
-        </p:txBody>
-      </p:sp>
-      <p:sp>
-        <p:nvSpPr>
-          <p:cNvPr id="29" name="テキスト ボックス 28">
-            <a:extLst>
-              <a:ext uri="{FF2B5EF4-FFF2-40B4-BE49-F238E27FC236}">
-                <a16:creationId xmlns:a16="http://schemas.microsoft.com/office/drawing/2014/main" id="{10C82BF5-84AD-A4B5-8D61-8DDC4AB04AD5}"/>
-              </a:ext>
-            </a:extLst>
-          </p:cNvPr>
-          <p:cNvSpPr txBox="1"/>
-          <p:nvPr/>
-        </p:nvSpPr>
-        <p:spPr>
-          <a:xfrm>
-            <a:off x="7686581" y="3888562"/>
-            <a:ext cx="1439818" cy="276999"/>
-          </a:xfrm>
-          <a:prstGeom prst="rect">
-            <a:avLst/>
-          </a:prstGeom>
-          <a:noFill/>
-        </p:spPr>
-        <p:txBody>
-          <a:bodyPr wrap="none" rtlCol="0">
-            <a:spAutoFit/>
-          </a:bodyPr>
-          <a:lstStyle/>
-          <a:p>
-            <a:r>
-              <a:rPr lang="ja-JP" altLang="en-US" sz="1200" dirty="0"/>
-              <a:t>紫</a:t>
-            </a:r>
-            <a:r>
-              <a:rPr lang="en-US" altLang="ja-JP" sz="1200" dirty="0"/>
-              <a:t>(</a:t>
-            </a:r>
-            <a:r>
-              <a:rPr lang="ja-JP" altLang="en-US" sz="1200" dirty="0"/>
-              <a:t>波長： </a:t>
-            </a:r>
-            <a:r>
-              <a:rPr lang="en-US" altLang="ja-JP" sz="1200" dirty="0"/>
-              <a:t>400nm)</a:t>
-            </a:r>
-            <a:endParaRPr kumimoji="1" lang="ja-JP" altLang="en-US" sz="1200" dirty="0"/>
-          </a:p>
-        </p:txBody>
-      </p:sp>
-      <p:sp>
-        <p:nvSpPr>
-          <p:cNvPr id="30" name="テキスト ボックス 29">
-            <a:extLst>
-              <a:ext uri="{FF2B5EF4-FFF2-40B4-BE49-F238E27FC236}">
-                <a16:creationId xmlns:a16="http://schemas.microsoft.com/office/drawing/2014/main" id="{D02E5F16-85F6-D3A3-1DCE-A5A257159FA9}"/>
-              </a:ext>
-            </a:extLst>
-          </p:cNvPr>
-          <p:cNvSpPr txBox="1"/>
-          <p:nvPr/>
-        </p:nvSpPr>
-        <p:spPr>
-          <a:xfrm>
-            <a:off x="7686581" y="3120943"/>
-            <a:ext cx="1439818" cy="276999"/>
-          </a:xfrm>
-          <a:prstGeom prst="rect">
-            <a:avLst/>
-          </a:prstGeom>
-          <a:noFill/>
-        </p:spPr>
-        <p:txBody>
-          <a:bodyPr wrap="none" rtlCol="0">
-            <a:spAutoFit/>
-          </a:bodyPr>
-          <a:lstStyle/>
-          <a:p>
-            <a:r>
-              <a:rPr lang="ja-JP" altLang="en-US" sz="1200" dirty="0"/>
-              <a:t>緑</a:t>
-            </a:r>
-            <a:r>
-              <a:rPr lang="en-US" altLang="ja-JP" sz="1200" dirty="0"/>
-              <a:t>(</a:t>
-            </a:r>
-            <a:r>
-              <a:rPr lang="ja-JP" altLang="en-US" sz="1200" dirty="0"/>
-              <a:t>波長： </a:t>
-            </a:r>
-            <a:r>
-              <a:rPr lang="en-US" altLang="ja-JP" sz="1200" dirty="0"/>
-              <a:t>550nm)</a:t>
-            </a:r>
-            <a:endParaRPr kumimoji="1" lang="ja-JP" altLang="en-US" sz="1200" dirty="0"/>
-          </a:p>
-        </p:txBody>
-      </p:sp>
-      <p:sp>
-        <p:nvSpPr>
-          <p:cNvPr id="31" name="テキスト ボックス 30">
-            <a:extLst>
-              <a:ext uri="{FF2B5EF4-FFF2-40B4-BE49-F238E27FC236}">
-                <a16:creationId xmlns:a16="http://schemas.microsoft.com/office/drawing/2014/main" id="{71450C2E-2D50-2E52-9C01-60216CAA82A6}"/>
-              </a:ext>
-            </a:extLst>
-          </p:cNvPr>
-          <p:cNvSpPr txBox="1"/>
-          <p:nvPr/>
-        </p:nvSpPr>
-        <p:spPr>
-          <a:xfrm>
-            <a:off x="7686581" y="3504752"/>
-            <a:ext cx="1439818" cy="276999"/>
-          </a:xfrm>
-          <a:prstGeom prst="rect">
-            <a:avLst/>
-          </a:prstGeom>
-          <a:noFill/>
-        </p:spPr>
-        <p:txBody>
-          <a:bodyPr wrap="none" rtlCol="0">
-            <a:spAutoFit/>
-          </a:bodyPr>
-          <a:lstStyle/>
-          <a:p>
-            <a:r>
-              <a:rPr lang="ja-JP" altLang="en-US" sz="1200" dirty="0"/>
-              <a:t>青</a:t>
-            </a:r>
-            <a:r>
-              <a:rPr lang="en-US" altLang="ja-JP" sz="1200" dirty="0"/>
-              <a:t>(</a:t>
-            </a:r>
-            <a:r>
-              <a:rPr lang="ja-JP" altLang="en-US" sz="1200" dirty="0"/>
-              <a:t>波長： </a:t>
-            </a:r>
-            <a:r>
-              <a:rPr lang="en-US" altLang="ja-JP" sz="1200" dirty="0"/>
-              <a:t>500nm)</a:t>
-            </a:r>
-            <a:endParaRPr kumimoji="1" lang="ja-JP" altLang="en-US" sz="1200" dirty="0"/>
           </a:p>
         </p:txBody>
       </p:sp>
